--- a/ppt 16-9/0173.圣诞之夜.pptx
+++ b/ppt 16-9/0173.圣诞之夜.pptx
@@ -5,7 +5,7 @@
     <p:sldMasterId id="2147483648" r:id="rId1"/>
   </p:sldMasterIdLst>
   <p:sldIdLst>
-    <p:sldId id="3021" r:id="rId2"/>
+    <p:sldId id="2795" r:id="rId2"/>
   </p:sldIdLst>
   <p:sldSz cx="12192000" cy="6858000"/>
   <p:notesSz cx="6858000" cy="9144000"/>
@@ -129,7 +129,7 @@
           <p:cNvPr id="2" name="标题 1">
             <a:extLst>
               <a:ext uri="{FF2B5EF4-FFF2-40B4-BE49-F238E27FC236}">
-                <a16:creationId xmlns:a16="http://schemas.microsoft.com/office/drawing/2014/main" id="{50B81602-50CD-C951-E5C0-560F9F29FDA5}"/>
+                <a16:creationId xmlns:a16="http://schemas.microsoft.com/office/drawing/2014/main" id="{73A8D8E4-0ECB-7078-22DD-CDA4040EE04B}"/>
               </a:ext>
             </a:extLst>
           </p:cNvPr>
@@ -166,7 +166,7 @@
           <p:cNvPr id="3" name="副标题 2">
             <a:extLst>
               <a:ext uri="{FF2B5EF4-FFF2-40B4-BE49-F238E27FC236}">
-                <a16:creationId xmlns:a16="http://schemas.microsoft.com/office/drawing/2014/main" id="{A159DDC3-6444-49D9-06B0-A15D664DA3DE}"/>
+                <a16:creationId xmlns:a16="http://schemas.microsoft.com/office/drawing/2014/main" id="{ED905519-5D98-507C-E4BF-768BA1770DEC}"/>
               </a:ext>
             </a:extLst>
           </p:cNvPr>
@@ -236,7 +236,7 @@
           <p:cNvPr id="4" name="日期占位符 3">
             <a:extLst>
               <a:ext uri="{FF2B5EF4-FFF2-40B4-BE49-F238E27FC236}">
-                <a16:creationId xmlns:a16="http://schemas.microsoft.com/office/drawing/2014/main" id="{4B87BC9C-7E50-BB08-650E-B01C0741B36C}"/>
+                <a16:creationId xmlns:a16="http://schemas.microsoft.com/office/drawing/2014/main" id="{4E418702-8CA4-DCEE-DA1D-EC764D9C876E}"/>
               </a:ext>
             </a:extLst>
           </p:cNvPr>
@@ -252,7 +252,7 @@
           <a:bodyPr/>
           <a:lstStyle/>
           <a:p>
-            <a:fld id="{40021DEE-8692-4B53-A410-65DDE3781CD6}" type="datetimeFigureOut">
+            <a:fld id="{BE62AB33-3D30-4F20-8878-576B5CDB3283}" type="datetimeFigureOut">
               <a:rPr lang="zh-CN" altLang="en-US" smtClean="0"/>
               <a:t>2024/3/10</a:t>
             </a:fld>
@@ -265,7 +265,7 @@
           <p:cNvPr id="5" name="页脚占位符 4">
             <a:extLst>
               <a:ext uri="{FF2B5EF4-FFF2-40B4-BE49-F238E27FC236}">
-                <a16:creationId xmlns:a16="http://schemas.microsoft.com/office/drawing/2014/main" id="{FB6E0787-3ED9-5D83-5456-643F1A7A2B46}"/>
+                <a16:creationId xmlns:a16="http://schemas.microsoft.com/office/drawing/2014/main" id="{F402D37C-0D23-7FAD-382C-01993DBDD5FA}"/>
               </a:ext>
             </a:extLst>
           </p:cNvPr>
@@ -290,7 +290,7 @@
           <p:cNvPr id="6" name="灯片编号占位符 5">
             <a:extLst>
               <a:ext uri="{FF2B5EF4-FFF2-40B4-BE49-F238E27FC236}">
-                <a16:creationId xmlns:a16="http://schemas.microsoft.com/office/drawing/2014/main" id="{FD895BBD-D835-C938-03E5-D5022CAD40FC}"/>
+                <a16:creationId xmlns:a16="http://schemas.microsoft.com/office/drawing/2014/main" id="{C216D2B2-3FE9-84E7-4F27-84B062BF3FB3}"/>
               </a:ext>
             </a:extLst>
           </p:cNvPr>
@@ -306,7 +306,7 @@
           <a:bodyPr/>
           <a:lstStyle/>
           <a:p>
-            <a:fld id="{37983ADF-7023-4B57-B997-78FE9957C8BC}" type="slidenum">
+            <a:fld id="{4CBE6403-663D-4AC9-A55B-116D4D9A8F90}" type="slidenum">
               <a:rPr lang="zh-CN" altLang="en-US" smtClean="0"/>
               <a:t>‹#›</a:t>
             </a:fld>
@@ -317,7 +317,7 @@
     </p:spTree>
     <p:extLst>
       <p:ext uri="{BB962C8B-B14F-4D97-AF65-F5344CB8AC3E}">
-        <p14:creationId xmlns:p14="http://schemas.microsoft.com/office/powerpoint/2010/main" val="1144659739"/>
+        <p14:creationId xmlns:p14="http://schemas.microsoft.com/office/powerpoint/2010/main" val="3437579781"/>
       </p:ext>
     </p:extLst>
   </p:cSld>
@@ -349,7 +349,7 @@
           <p:cNvPr id="2" name="标题 1">
             <a:extLst>
               <a:ext uri="{FF2B5EF4-FFF2-40B4-BE49-F238E27FC236}">
-                <a16:creationId xmlns:a16="http://schemas.microsoft.com/office/drawing/2014/main" id="{0DFB4AC4-F698-3F56-E48D-49000B77BE99}"/>
+                <a16:creationId xmlns:a16="http://schemas.microsoft.com/office/drawing/2014/main" id="{1222D3BA-1BC8-3297-D307-59273750D292}"/>
               </a:ext>
             </a:extLst>
           </p:cNvPr>
@@ -377,7 +377,7 @@
           <p:cNvPr id="3" name="竖排文字占位符 2">
             <a:extLst>
               <a:ext uri="{FF2B5EF4-FFF2-40B4-BE49-F238E27FC236}">
-                <a16:creationId xmlns:a16="http://schemas.microsoft.com/office/drawing/2014/main" id="{53D6A0F5-2788-CF55-60E9-67D047EFD08F}"/>
+                <a16:creationId xmlns:a16="http://schemas.microsoft.com/office/drawing/2014/main" id="{2C18C14C-DD08-1734-FD56-A353671E476C}"/>
               </a:ext>
             </a:extLst>
           </p:cNvPr>
@@ -434,7 +434,7 @@
           <p:cNvPr id="4" name="日期占位符 3">
             <a:extLst>
               <a:ext uri="{FF2B5EF4-FFF2-40B4-BE49-F238E27FC236}">
-                <a16:creationId xmlns:a16="http://schemas.microsoft.com/office/drawing/2014/main" id="{D0D002D7-27B1-B7CC-CD5F-08EE4E554E9C}"/>
+                <a16:creationId xmlns:a16="http://schemas.microsoft.com/office/drawing/2014/main" id="{83D84601-5021-CC75-3FDB-01D030741655}"/>
               </a:ext>
             </a:extLst>
           </p:cNvPr>
@@ -450,7 +450,7 @@
           <a:bodyPr/>
           <a:lstStyle/>
           <a:p>
-            <a:fld id="{40021DEE-8692-4B53-A410-65DDE3781CD6}" type="datetimeFigureOut">
+            <a:fld id="{BE62AB33-3D30-4F20-8878-576B5CDB3283}" type="datetimeFigureOut">
               <a:rPr lang="zh-CN" altLang="en-US" smtClean="0"/>
               <a:t>2024/3/10</a:t>
             </a:fld>
@@ -463,7 +463,7 @@
           <p:cNvPr id="5" name="页脚占位符 4">
             <a:extLst>
               <a:ext uri="{FF2B5EF4-FFF2-40B4-BE49-F238E27FC236}">
-                <a16:creationId xmlns:a16="http://schemas.microsoft.com/office/drawing/2014/main" id="{85D862C1-382C-EEE8-CC7E-D403CA32469D}"/>
+                <a16:creationId xmlns:a16="http://schemas.microsoft.com/office/drawing/2014/main" id="{C22348E1-7280-C37D-97AC-0C1C222C023B}"/>
               </a:ext>
             </a:extLst>
           </p:cNvPr>
@@ -488,7 +488,7 @@
           <p:cNvPr id="6" name="灯片编号占位符 5">
             <a:extLst>
               <a:ext uri="{FF2B5EF4-FFF2-40B4-BE49-F238E27FC236}">
-                <a16:creationId xmlns:a16="http://schemas.microsoft.com/office/drawing/2014/main" id="{B5A9CE47-6C1C-021F-FD93-39963E109AE6}"/>
+                <a16:creationId xmlns:a16="http://schemas.microsoft.com/office/drawing/2014/main" id="{FD7B2ED8-5CE9-FFC2-2FC6-3DA1F1CF48AE}"/>
               </a:ext>
             </a:extLst>
           </p:cNvPr>
@@ -504,7 +504,7 @@
           <a:bodyPr/>
           <a:lstStyle/>
           <a:p>
-            <a:fld id="{37983ADF-7023-4B57-B997-78FE9957C8BC}" type="slidenum">
+            <a:fld id="{4CBE6403-663D-4AC9-A55B-116D4D9A8F90}" type="slidenum">
               <a:rPr lang="zh-CN" altLang="en-US" smtClean="0"/>
               <a:t>‹#›</a:t>
             </a:fld>
@@ -515,7 +515,7 @@
     </p:spTree>
     <p:extLst>
       <p:ext uri="{BB962C8B-B14F-4D97-AF65-F5344CB8AC3E}">
-        <p14:creationId xmlns:p14="http://schemas.microsoft.com/office/powerpoint/2010/main" val="1190550044"/>
+        <p14:creationId xmlns:p14="http://schemas.microsoft.com/office/powerpoint/2010/main" val="2463266841"/>
       </p:ext>
     </p:extLst>
   </p:cSld>
@@ -547,7 +547,7 @@
           <p:cNvPr id="2" name="竖排标题 1">
             <a:extLst>
               <a:ext uri="{FF2B5EF4-FFF2-40B4-BE49-F238E27FC236}">
-                <a16:creationId xmlns:a16="http://schemas.microsoft.com/office/drawing/2014/main" id="{52AE8C72-10B2-B3B6-032B-47C80ED4F808}"/>
+                <a16:creationId xmlns:a16="http://schemas.microsoft.com/office/drawing/2014/main" id="{E38FE214-BB3B-CBEE-1272-FD45313BDF07}"/>
               </a:ext>
             </a:extLst>
           </p:cNvPr>
@@ -580,7 +580,7 @@
           <p:cNvPr id="3" name="竖排文字占位符 2">
             <a:extLst>
               <a:ext uri="{FF2B5EF4-FFF2-40B4-BE49-F238E27FC236}">
-                <a16:creationId xmlns:a16="http://schemas.microsoft.com/office/drawing/2014/main" id="{AAFC8001-D247-3BA7-03C0-E4D88079FE55}"/>
+                <a16:creationId xmlns:a16="http://schemas.microsoft.com/office/drawing/2014/main" id="{B7BE84EA-E0ED-FEBF-204F-140F79F8996F}"/>
               </a:ext>
             </a:extLst>
           </p:cNvPr>
@@ -642,7 +642,7 @@
           <p:cNvPr id="4" name="日期占位符 3">
             <a:extLst>
               <a:ext uri="{FF2B5EF4-FFF2-40B4-BE49-F238E27FC236}">
-                <a16:creationId xmlns:a16="http://schemas.microsoft.com/office/drawing/2014/main" id="{8427C50B-5195-6317-0091-60715C8E2D54}"/>
+                <a16:creationId xmlns:a16="http://schemas.microsoft.com/office/drawing/2014/main" id="{40AFC7FE-39E9-DE53-922F-903D1A66C665}"/>
               </a:ext>
             </a:extLst>
           </p:cNvPr>
@@ -658,7 +658,7 @@
           <a:bodyPr/>
           <a:lstStyle/>
           <a:p>
-            <a:fld id="{40021DEE-8692-4B53-A410-65DDE3781CD6}" type="datetimeFigureOut">
+            <a:fld id="{BE62AB33-3D30-4F20-8878-576B5CDB3283}" type="datetimeFigureOut">
               <a:rPr lang="zh-CN" altLang="en-US" smtClean="0"/>
               <a:t>2024/3/10</a:t>
             </a:fld>
@@ -671,7 +671,7 @@
           <p:cNvPr id="5" name="页脚占位符 4">
             <a:extLst>
               <a:ext uri="{FF2B5EF4-FFF2-40B4-BE49-F238E27FC236}">
-                <a16:creationId xmlns:a16="http://schemas.microsoft.com/office/drawing/2014/main" id="{D317A2CF-CB6A-40B1-7936-D6EE84BA0D94}"/>
+                <a16:creationId xmlns:a16="http://schemas.microsoft.com/office/drawing/2014/main" id="{2D16A420-ECFA-DA13-6E01-134EFC1FBD49}"/>
               </a:ext>
             </a:extLst>
           </p:cNvPr>
@@ -696,7 +696,7 @@
           <p:cNvPr id="6" name="灯片编号占位符 5">
             <a:extLst>
               <a:ext uri="{FF2B5EF4-FFF2-40B4-BE49-F238E27FC236}">
-                <a16:creationId xmlns:a16="http://schemas.microsoft.com/office/drawing/2014/main" id="{5E30ACAA-ABD4-D412-BC3C-1EC12C2BE6C7}"/>
+                <a16:creationId xmlns:a16="http://schemas.microsoft.com/office/drawing/2014/main" id="{9B27A24D-2788-5257-08E6-3C51F61E12A8}"/>
               </a:ext>
             </a:extLst>
           </p:cNvPr>
@@ -712,7 +712,7 @@
           <a:bodyPr/>
           <a:lstStyle/>
           <a:p>
-            <a:fld id="{37983ADF-7023-4B57-B997-78FE9957C8BC}" type="slidenum">
+            <a:fld id="{4CBE6403-663D-4AC9-A55B-116D4D9A8F90}" type="slidenum">
               <a:rPr lang="zh-CN" altLang="en-US" smtClean="0"/>
               <a:t>‹#›</a:t>
             </a:fld>
@@ -723,7 +723,7 @@
     </p:spTree>
     <p:extLst>
       <p:ext uri="{BB962C8B-B14F-4D97-AF65-F5344CB8AC3E}">
-        <p14:creationId xmlns:p14="http://schemas.microsoft.com/office/powerpoint/2010/main" val="4072531607"/>
+        <p14:creationId xmlns:p14="http://schemas.microsoft.com/office/powerpoint/2010/main" val="598285288"/>
       </p:ext>
     </p:extLst>
   </p:cSld>
@@ -755,7 +755,7 @@
           <p:cNvPr id="2" name="标题 1">
             <a:extLst>
               <a:ext uri="{FF2B5EF4-FFF2-40B4-BE49-F238E27FC236}">
-                <a16:creationId xmlns:a16="http://schemas.microsoft.com/office/drawing/2014/main" id="{9825643E-3041-B1D3-B160-F63F4DD74FF6}"/>
+                <a16:creationId xmlns:a16="http://schemas.microsoft.com/office/drawing/2014/main" id="{170AC146-30B3-F910-F478-BA2F0ABE5D56}"/>
               </a:ext>
             </a:extLst>
           </p:cNvPr>
@@ -783,7 +783,7 @@
           <p:cNvPr id="3" name="内容占位符 2">
             <a:extLst>
               <a:ext uri="{FF2B5EF4-FFF2-40B4-BE49-F238E27FC236}">
-                <a16:creationId xmlns:a16="http://schemas.microsoft.com/office/drawing/2014/main" id="{BF21BFEB-DBBD-6AC1-7EDF-9555C5FC1B47}"/>
+                <a16:creationId xmlns:a16="http://schemas.microsoft.com/office/drawing/2014/main" id="{136CAA10-1E4E-FF77-E332-65A0593A8F28}"/>
               </a:ext>
             </a:extLst>
           </p:cNvPr>
@@ -840,7 +840,7 @@
           <p:cNvPr id="4" name="日期占位符 3">
             <a:extLst>
               <a:ext uri="{FF2B5EF4-FFF2-40B4-BE49-F238E27FC236}">
-                <a16:creationId xmlns:a16="http://schemas.microsoft.com/office/drawing/2014/main" id="{E57EA200-349D-D829-862E-C52CED33F99A}"/>
+                <a16:creationId xmlns:a16="http://schemas.microsoft.com/office/drawing/2014/main" id="{0890EB66-9B3F-D2AE-029B-6D6E941E682E}"/>
               </a:ext>
             </a:extLst>
           </p:cNvPr>
@@ -856,7 +856,7 @@
           <a:bodyPr/>
           <a:lstStyle/>
           <a:p>
-            <a:fld id="{40021DEE-8692-4B53-A410-65DDE3781CD6}" type="datetimeFigureOut">
+            <a:fld id="{BE62AB33-3D30-4F20-8878-576B5CDB3283}" type="datetimeFigureOut">
               <a:rPr lang="zh-CN" altLang="en-US" smtClean="0"/>
               <a:t>2024/3/10</a:t>
             </a:fld>
@@ -869,7 +869,7 @@
           <p:cNvPr id="5" name="页脚占位符 4">
             <a:extLst>
               <a:ext uri="{FF2B5EF4-FFF2-40B4-BE49-F238E27FC236}">
-                <a16:creationId xmlns:a16="http://schemas.microsoft.com/office/drawing/2014/main" id="{4BCBAD96-7E83-4330-D64B-6672DD619664}"/>
+                <a16:creationId xmlns:a16="http://schemas.microsoft.com/office/drawing/2014/main" id="{41189926-116D-2AB8-485C-E570EB47BBB7}"/>
               </a:ext>
             </a:extLst>
           </p:cNvPr>
@@ -894,7 +894,7 @@
           <p:cNvPr id="6" name="灯片编号占位符 5">
             <a:extLst>
               <a:ext uri="{FF2B5EF4-FFF2-40B4-BE49-F238E27FC236}">
-                <a16:creationId xmlns:a16="http://schemas.microsoft.com/office/drawing/2014/main" id="{F63DAF56-34E5-93B2-9E28-A6421A90912F}"/>
+                <a16:creationId xmlns:a16="http://schemas.microsoft.com/office/drawing/2014/main" id="{47DE0F5F-E7B1-52C3-D818-CEC186764561}"/>
               </a:ext>
             </a:extLst>
           </p:cNvPr>
@@ -910,7 +910,7 @@
           <a:bodyPr/>
           <a:lstStyle/>
           <a:p>
-            <a:fld id="{37983ADF-7023-4B57-B997-78FE9957C8BC}" type="slidenum">
+            <a:fld id="{4CBE6403-663D-4AC9-A55B-116D4D9A8F90}" type="slidenum">
               <a:rPr lang="zh-CN" altLang="en-US" smtClean="0"/>
               <a:t>‹#›</a:t>
             </a:fld>
@@ -921,7 +921,7 @@
     </p:spTree>
     <p:extLst>
       <p:ext uri="{BB962C8B-B14F-4D97-AF65-F5344CB8AC3E}">
-        <p14:creationId xmlns:p14="http://schemas.microsoft.com/office/powerpoint/2010/main" val="1889206276"/>
+        <p14:creationId xmlns:p14="http://schemas.microsoft.com/office/powerpoint/2010/main" val="3690170627"/>
       </p:ext>
     </p:extLst>
   </p:cSld>
@@ -953,7 +953,7 @@
           <p:cNvPr id="2" name="标题 1">
             <a:extLst>
               <a:ext uri="{FF2B5EF4-FFF2-40B4-BE49-F238E27FC236}">
-                <a16:creationId xmlns:a16="http://schemas.microsoft.com/office/drawing/2014/main" id="{E3C26489-1CE8-797F-76F1-8DB971E7ECA6}"/>
+                <a16:creationId xmlns:a16="http://schemas.microsoft.com/office/drawing/2014/main" id="{AF724CE8-F657-1578-D46B-64F14130C142}"/>
               </a:ext>
             </a:extLst>
           </p:cNvPr>
@@ -990,7 +990,7 @@
           <p:cNvPr id="3" name="文本占位符 2">
             <a:extLst>
               <a:ext uri="{FF2B5EF4-FFF2-40B4-BE49-F238E27FC236}">
-                <a16:creationId xmlns:a16="http://schemas.microsoft.com/office/drawing/2014/main" id="{17CD972C-CECA-F524-DEB6-860FFB4837AA}"/>
+                <a16:creationId xmlns:a16="http://schemas.microsoft.com/office/drawing/2014/main" id="{A7AFFDA7-1C61-EC53-8EEC-8965585CCF3E}"/>
               </a:ext>
             </a:extLst>
           </p:cNvPr>
@@ -1115,7 +1115,7 @@
           <p:cNvPr id="4" name="日期占位符 3">
             <a:extLst>
               <a:ext uri="{FF2B5EF4-FFF2-40B4-BE49-F238E27FC236}">
-                <a16:creationId xmlns:a16="http://schemas.microsoft.com/office/drawing/2014/main" id="{1ED9042C-53C3-669A-993E-F7B2C083FC61}"/>
+                <a16:creationId xmlns:a16="http://schemas.microsoft.com/office/drawing/2014/main" id="{54AE711F-C76F-0572-6236-1B69216D9407}"/>
               </a:ext>
             </a:extLst>
           </p:cNvPr>
@@ -1131,7 +1131,7 @@
           <a:bodyPr/>
           <a:lstStyle/>
           <a:p>
-            <a:fld id="{40021DEE-8692-4B53-A410-65DDE3781CD6}" type="datetimeFigureOut">
+            <a:fld id="{BE62AB33-3D30-4F20-8878-576B5CDB3283}" type="datetimeFigureOut">
               <a:rPr lang="zh-CN" altLang="en-US" smtClean="0"/>
               <a:t>2024/3/10</a:t>
             </a:fld>
@@ -1144,7 +1144,7 @@
           <p:cNvPr id="5" name="页脚占位符 4">
             <a:extLst>
               <a:ext uri="{FF2B5EF4-FFF2-40B4-BE49-F238E27FC236}">
-                <a16:creationId xmlns:a16="http://schemas.microsoft.com/office/drawing/2014/main" id="{7364480B-8F0C-4E7B-E089-2E0E28FFBAEF}"/>
+                <a16:creationId xmlns:a16="http://schemas.microsoft.com/office/drawing/2014/main" id="{9D79BE71-A672-FDD6-EAD3-A1630BD8DA88}"/>
               </a:ext>
             </a:extLst>
           </p:cNvPr>
@@ -1169,7 +1169,7 @@
           <p:cNvPr id="6" name="灯片编号占位符 5">
             <a:extLst>
               <a:ext uri="{FF2B5EF4-FFF2-40B4-BE49-F238E27FC236}">
-                <a16:creationId xmlns:a16="http://schemas.microsoft.com/office/drawing/2014/main" id="{E3324B03-EFD0-5AC8-EDB0-FE34F629CF7B}"/>
+                <a16:creationId xmlns:a16="http://schemas.microsoft.com/office/drawing/2014/main" id="{A717189D-C05D-54D2-AC98-5D0F20FCAAA6}"/>
               </a:ext>
             </a:extLst>
           </p:cNvPr>
@@ -1185,7 +1185,7 @@
           <a:bodyPr/>
           <a:lstStyle/>
           <a:p>
-            <a:fld id="{37983ADF-7023-4B57-B997-78FE9957C8BC}" type="slidenum">
+            <a:fld id="{4CBE6403-663D-4AC9-A55B-116D4D9A8F90}" type="slidenum">
               <a:rPr lang="zh-CN" altLang="en-US" smtClean="0"/>
               <a:t>‹#›</a:t>
             </a:fld>
@@ -1196,7 +1196,7 @@
     </p:spTree>
     <p:extLst>
       <p:ext uri="{BB962C8B-B14F-4D97-AF65-F5344CB8AC3E}">
-        <p14:creationId xmlns:p14="http://schemas.microsoft.com/office/powerpoint/2010/main" val="2860699502"/>
+        <p14:creationId xmlns:p14="http://schemas.microsoft.com/office/powerpoint/2010/main" val="2683729408"/>
       </p:ext>
     </p:extLst>
   </p:cSld>
@@ -1228,7 +1228,7 @@
           <p:cNvPr id="2" name="标题 1">
             <a:extLst>
               <a:ext uri="{FF2B5EF4-FFF2-40B4-BE49-F238E27FC236}">
-                <a16:creationId xmlns:a16="http://schemas.microsoft.com/office/drawing/2014/main" id="{554BECEA-005E-31BB-1603-03B32146F0EB}"/>
+                <a16:creationId xmlns:a16="http://schemas.microsoft.com/office/drawing/2014/main" id="{744B56BC-375B-FF53-F881-8B530A9EEC51}"/>
               </a:ext>
             </a:extLst>
           </p:cNvPr>
@@ -1256,7 +1256,7 @@
           <p:cNvPr id="3" name="内容占位符 2">
             <a:extLst>
               <a:ext uri="{FF2B5EF4-FFF2-40B4-BE49-F238E27FC236}">
-                <a16:creationId xmlns:a16="http://schemas.microsoft.com/office/drawing/2014/main" id="{CF04DD02-3637-84C6-3A63-665C144CD9D5}"/>
+                <a16:creationId xmlns:a16="http://schemas.microsoft.com/office/drawing/2014/main" id="{B8FA1016-BD89-70E5-5072-0D5FC722F51A}"/>
               </a:ext>
             </a:extLst>
           </p:cNvPr>
@@ -1318,7 +1318,7 @@
           <p:cNvPr id="4" name="内容占位符 3">
             <a:extLst>
               <a:ext uri="{FF2B5EF4-FFF2-40B4-BE49-F238E27FC236}">
-                <a16:creationId xmlns:a16="http://schemas.microsoft.com/office/drawing/2014/main" id="{3606E9BD-61F9-E343-5423-453BD26AE4E5}"/>
+                <a16:creationId xmlns:a16="http://schemas.microsoft.com/office/drawing/2014/main" id="{52EDB2ED-0632-D459-2CA0-91F0CB9D2BFC}"/>
               </a:ext>
             </a:extLst>
           </p:cNvPr>
@@ -1380,7 +1380,7 @@
           <p:cNvPr id="5" name="日期占位符 4">
             <a:extLst>
               <a:ext uri="{FF2B5EF4-FFF2-40B4-BE49-F238E27FC236}">
-                <a16:creationId xmlns:a16="http://schemas.microsoft.com/office/drawing/2014/main" id="{F7B05E67-5E8A-A177-B877-842381957941}"/>
+                <a16:creationId xmlns:a16="http://schemas.microsoft.com/office/drawing/2014/main" id="{B3ADD8F9-EFDE-9306-837F-C18140491AB6}"/>
               </a:ext>
             </a:extLst>
           </p:cNvPr>
@@ -1396,7 +1396,7 @@
           <a:bodyPr/>
           <a:lstStyle/>
           <a:p>
-            <a:fld id="{40021DEE-8692-4B53-A410-65DDE3781CD6}" type="datetimeFigureOut">
+            <a:fld id="{BE62AB33-3D30-4F20-8878-576B5CDB3283}" type="datetimeFigureOut">
               <a:rPr lang="zh-CN" altLang="en-US" smtClean="0"/>
               <a:t>2024/3/10</a:t>
             </a:fld>
@@ -1409,7 +1409,7 @@
           <p:cNvPr id="6" name="页脚占位符 5">
             <a:extLst>
               <a:ext uri="{FF2B5EF4-FFF2-40B4-BE49-F238E27FC236}">
-                <a16:creationId xmlns:a16="http://schemas.microsoft.com/office/drawing/2014/main" id="{CE24F8C1-5564-5E74-AA4C-79FB059B134F}"/>
+                <a16:creationId xmlns:a16="http://schemas.microsoft.com/office/drawing/2014/main" id="{956DE1A4-1E62-60D6-A114-D2A3DA2EBD59}"/>
               </a:ext>
             </a:extLst>
           </p:cNvPr>
@@ -1434,7 +1434,7 @@
           <p:cNvPr id="7" name="灯片编号占位符 6">
             <a:extLst>
               <a:ext uri="{FF2B5EF4-FFF2-40B4-BE49-F238E27FC236}">
-                <a16:creationId xmlns:a16="http://schemas.microsoft.com/office/drawing/2014/main" id="{7BF0DDC5-8F8A-B0EC-F587-1895D99BED2B}"/>
+                <a16:creationId xmlns:a16="http://schemas.microsoft.com/office/drawing/2014/main" id="{BD2157CD-8366-9268-E744-2D31CAF8B4BB}"/>
               </a:ext>
             </a:extLst>
           </p:cNvPr>
@@ -1450,7 +1450,7 @@
           <a:bodyPr/>
           <a:lstStyle/>
           <a:p>
-            <a:fld id="{37983ADF-7023-4B57-B997-78FE9957C8BC}" type="slidenum">
+            <a:fld id="{4CBE6403-663D-4AC9-A55B-116D4D9A8F90}" type="slidenum">
               <a:rPr lang="zh-CN" altLang="en-US" smtClean="0"/>
               <a:t>‹#›</a:t>
             </a:fld>
@@ -1461,7 +1461,7 @@
     </p:spTree>
     <p:extLst>
       <p:ext uri="{BB962C8B-B14F-4D97-AF65-F5344CB8AC3E}">
-        <p14:creationId xmlns:p14="http://schemas.microsoft.com/office/powerpoint/2010/main" val="1102500696"/>
+        <p14:creationId xmlns:p14="http://schemas.microsoft.com/office/powerpoint/2010/main" val="1483196760"/>
       </p:ext>
     </p:extLst>
   </p:cSld>
@@ -1493,7 +1493,7 @@
           <p:cNvPr id="2" name="标题 1">
             <a:extLst>
               <a:ext uri="{FF2B5EF4-FFF2-40B4-BE49-F238E27FC236}">
-                <a16:creationId xmlns:a16="http://schemas.microsoft.com/office/drawing/2014/main" id="{56D6FA32-775F-DA57-188E-6A930DF0EB16}"/>
+                <a16:creationId xmlns:a16="http://schemas.microsoft.com/office/drawing/2014/main" id="{F648EDDE-B1EB-94A8-5298-F14B8CE253AC}"/>
               </a:ext>
             </a:extLst>
           </p:cNvPr>
@@ -1526,7 +1526,7 @@
           <p:cNvPr id="3" name="文本占位符 2">
             <a:extLst>
               <a:ext uri="{FF2B5EF4-FFF2-40B4-BE49-F238E27FC236}">
-                <a16:creationId xmlns:a16="http://schemas.microsoft.com/office/drawing/2014/main" id="{E9FB0D3D-D5C9-97B4-2085-B162FCD7134B}"/>
+                <a16:creationId xmlns:a16="http://schemas.microsoft.com/office/drawing/2014/main" id="{43936F13-6D4A-B4CC-5F49-1E14FD2728D7}"/>
               </a:ext>
             </a:extLst>
           </p:cNvPr>
@@ -1597,7 +1597,7 @@
           <p:cNvPr id="4" name="内容占位符 3">
             <a:extLst>
               <a:ext uri="{FF2B5EF4-FFF2-40B4-BE49-F238E27FC236}">
-                <a16:creationId xmlns:a16="http://schemas.microsoft.com/office/drawing/2014/main" id="{4149A6E9-1998-68D2-B7D3-401DDE0C8235}"/>
+                <a16:creationId xmlns:a16="http://schemas.microsoft.com/office/drawing/2014/main" id="{DB7B185F-A790-5644-4B7B-2EF9771AE62F}"/>
               </a:ext>
             </a:extLst>
           </p:cNvPr>
@@ -1659,7 +1659,7 @@
           <p:cNvPr id="5" name="文本占位符 4">
             <a:extLst>
               <a:ext uri="{FF2B5EF4-FFF2-40B4-BE49-F238E27FC236}">
-                <a16:creationId xmlns:a16="http://schemas.microsoft.com/office/drawing/2014/main" id="{CE718B83-A3D1-BFC9-584C-A32198B719C0}"/>
+                <a16:creationId xmlns:a16="http://schemas.microsoft.com/office/drawing/2014/main" id="{9D801BE7-419E-709A-5F2F-7FC555989C86}"/>
               </a:ext>
             </a:extLst>
           </p:cNvPr>
@@ -1730,7 +1730,7 @@
           <p:cNvPr id="6" name="内容占位符 5">
             <a:extLst>
               <a:ext uri="{FF2B5EF4-FFF2-40B4-BE49-F238E27FC236}">
-                <a16:creationId xmlns:a16="http://schemas.microsoft.com/office/drawing/2014/main" id="{3788F685-8A4D-204B-97E5-3090A5536D30}"/>
+                <a16:creationId xmlns:a16="http://schemas.microsoft.com/office/drawing/2014/main" id="{81BDB7BD-B21C-2946-242B-1F61C7934AD7}"/>
               </a:ext>
             </a:extLst>
           </p:cNvPr>
@@ -1792,7 +1792,7 @@
           <p:cNvPr id="7" name="日期占位符 6">
             <a:extLst>
               <a:ext uri="{FF2B5EF4-FFF2-40B4-BE49-F238E27FC236}">
-                <a16:creationId xmlns:a16="http://schemas.microsoft.com/office/drawing/2014/main" id="{E6A1F5BE-4768-F2BE-8E7A-2A87F3DB8CBA}"/>
+                <a16:creationId xmlns:a16="http://schemas.microsoft.com/office/drawing/2014/main" id="{A2FB1850-5D7C-FDE8-AF24-F75B3EE91884}"/>
               </a:ext>
             </a:extLst>
           </p:cNvPr>
@@ -1808,7 +1808,7 @@
           <a:bodyPr/>
           <a:lstStyle/>
           <a:p>
-            <a:fld id="{40021DEE-8692-4B53-A410-65DDE3781CD6}" type="datetimeFigureOut">
+            <a:fld id="{BE62AB33-3D30-4F20-8878-576B5CDB3283}" type="datetimeFigureOut">
               <a:rPr lang="zh-CN" altLang="en-US" smtClean="0"/>
               <a:t>2024/3/10</a:t>
             </a:fld>
@@ -1821,7 +1821,7 @@
           <p:cNvPr id="8" name="页脚占位符 7">
             <a:extLst>
               <a:ext uri="{FF2B5EF4-FFF2-40B4-BE49-F238E27FC236}">
-                <a16:creationId xmlns:a16="http://schemas.microsoft.com/office/drawing/2014/main" id="{1056EDB3-AF7E-43C3-E54E-2770326E5CFA}"/>
+                <a16:creationId xmlns:a16="http://schemas.microsoft.com/office/drawing/2014/main" id="{36870AC9-6A2B-2DF0-8510-C6A9A52EAB97}"/>
               </a:ext>
             </a:extLst>
           </p:cNvPr>
@@ -1846,7 +1846,7 @@
           <p:cNvPr id="9" name="灯片编号占位符 8">
             <a:extLst>
               <a:ext uri="{FF2B5EF4-FFF2-40B4-BE49-F238E27FC236}">
-                <a16:creationId xmlns:a16="http://schemas.microsoft.com/office/drawing/2014/main" id="{901E964E-E91A-B21C-E533-867D98F5376E}"/>
+                <a16:creationId xmlns:a16="http://schemas.microsoft.com/office/drawing/2014/main" id="{8C2FF1ED-B404-A788-6198-8E0FA42ED7BE}"/>
               </a:ext>
             </a:extLst>
           </p:cNvPr>
@@ -1862,7 +1862,7 @@
           <a:bodyPr/>
           <a:lstStyle/>
           <a:p>
-            <a:fld id="{37983ADF-7023-4B57-B997-78FE9957C8BC}" type="slidenum">
+            <a:fld id="{4CBE6403-663D-4AC9-A55B-116D4D9A8F90}" type="slidenum">
               <a:rPr lang="zh-CN" altLang="en-US" smtClean="0"/>
               <a:t>‹#›</a:t>
             </a:fld>
@@ -1873,7 +1873,7 @@
     </p:spTree>
     <p:extLst>
       <p:ext uri="{BB962C8B-B14F-4D97-AF65-F5344CB8AC3E}">
-        <p14:creationId xmlns:p14="http://schemas.microsoft.com/office/powerpoint/2010/main" val="1453704330"/>
+        <p14:creationId xmlns:p14="http://schemas.microsoft.com/office/powerpoint/2010/main" val="2907074823"/>
       </p:ext>
     </p:extLst>
   </p:cSld>
@@ -1905,7 +1905,7 @@
           <p:cNvPr id="2" name="标题 1">
             <a:extLst>
               <a:ext uri="{FF2B5EF4-FFF2-40B4-BE49-F238E27FC236}">
-                <a16:creationId xmlns:a16="http://schemas.microsoft.com/office/drawing/2014/main" id="{4AE5582E-6301-2C99-C617-3D8969CE84E4}"/>
+                <a16:creationId xmlns:a16="http://schemas.microsoft.com/office/drawing/2014/main" id="{52BE2E3F-AF70-7A46-4252-E8C80F9EA04C}"/>
               </a:ext>
             </a:extLst>
           </p:cNvPr>
@@ -1933,7 +1933,7 @@
           <p:cNvPr id="3" name="日期占位符 2">
             <a:extLst>
               <a:ext uri="{FF2B5EF4-FFF2-40B4-BE49-F238E27FC236}">
-                <a16:creationId xmlns:a16="http://schemas.microsoft.com/office/drawing/2014/main" id="{C8B76346-C672-CC6C-FEFD-507DEE050B72}"/>
+                <a16:creationId xmlns:a16="http://schemas.microsoft.com/office/drawing/2014/main" id="{8EC7810B-8E80-2AC3-8491-1F893A03F20E}"/>
               </a:ext>
             </a:extLst>
           </p:cNvPr>
@@ -1949,7 +1949,7 @@
           <a:bodyPr/>
           <a:lstStyle/>
           <a:p>
-            <a:fld id="{40021DEE-8692-4B53-A410-65DDE3781CD6}" type="datetimeFigureOut">
+            <a:fld id="{BE62AB33-3D30-4F20-8878-576B5CDB3283}" type="datetimeFigureOut">
               <a:rPr lang="zh-CN" altLang="en-US" smtClean="0"/>
               <a:t>2024/3/10</a:t>
             </a:fld>
@@ -1962,7 +1962,7 @@
           <p:cNvPr id="4" name="页脚占位符 3">
             <a:extLst>
               <a:ext uri="{FF2B5EF4-FFF2-40B4-BE49-F238E27FC236}">
-                <a16:creationId xmlns:a16="http://schemas.microsoft.com/office/drawing/2014/main" id="{1C7276E6-5C72-2E7F-95B9-ECAC702B63FC}"/>
+                <a16:creationId xmlns:a16="http://schemas.microsoft.com/office/drawing/2014/main" id="{279F6AB8-3D31-AAAE-FD5F-F6C5C711707A}"/>
               </a:ext>
             </a:extLst>
           </p:cNvPr>
@@ -1987,7 +1987,7 @@
           <p:cNvPr id="5" name="灯片编号占位符 4">
             <a:extLst>
               <a:ext uri="{FF2B5EF4-FFF2-40B4-BE49-F238E27FC236}">
-                <a16:creationId xmlns:a16="http://schemas.microsoft.com/office/drawing/2014/main" id="{DEE6D369-595E-5BF0-3A46-DF08EEAB3C4B}"/>
+                <a16:creationId xmlns:a16="http://schemas.microsoft.com/office/drawing/2014/main" id="{69376740-7D05-1F3C-99FF-2E83C108AEAE}"/>
               </a:ext>
             </a:extLst>
           </p:cNvPr>
@@ -2003,7 +2003,7 @@
           <a:bodyPr/>
           <a:lstStyle/>
           <a:p>
-            <a:fld id="{37983ADF-7023-4B57-B997-78FE9957C8BC}" type="slidenum">
+            <a:fld id="{4CBE6403-663D-4AC9-A55B-116D4D9A8F90}" type="slidenum">
               <a:rPr lang="zh-CN" altLang="en-US" smtClean="0"/>
               <a:t>‹#›</a:t>
             </a:fld>
@@ -2014,7 +2014,7 @@
     </p:spTree>
     <p:extLst>
       <p:ext uri="{BB962C8B-B14F-4D97-AF65-F5344CB8AC3E}">
-        <p14:creationId xmlns:p14="http://schemas.microsoft.com/office/powerpoint/2010/main" val="3434738003"/>
+        <p14:creationId xmlns:p14="http://schemas.microsoft.com/office/powerpoint/2010/main" val="3719604883"/>
       </p:ext>
     </p:extLst>
   </p:cSld>
@@ -2046,7 +2046,7 @@
           <p:cNvPr id="2" name="日期占位符 1">
             <a:extLst>
               <a:ext uri="{FF2B5EF4-FFF2-40B4-BE49-F238E27FC236}">
-                <a16:creationId xmlns:a16="http://schemas.microsoft.com/office/drawing/2014/main" id="{E5D1F88D-1E52-4350-C4AB-87DA43AA084A}"/>
+                <a16:creationId xmlns:a16="http://schemas.microsoft.com/office/drawing/2014/main" id="{5461C564-C72C-F8E9-E913-AC277C673DE5}"/>
               </a:ext>
             </a:extLst>
           </p:cNvPr>
@@ -2062,7 +2062,7 @@
           <a:bodyPr/>
           <a:lstStyle/>
           <a:p>
-            <a:fld id="{40021DEE-8692-4B53-A410-65DDE3781CD6}" type="datetimeFigureOut">
+            <a:fld id="{BE62AB33-3D30-4F20-8878-576B5CDB3283}" type="datetimeFigureOut">
               <a:rPr lang="zh-CN" altLang="en-US" smtClean="0"/>
               <a:t>2024/3/10</a:t>
             </a:fld>
@@ -2075,7 +2075,7 @@
           <p:cNvPr id="3" name="页脚占位符 2">
             <a:extLst>
               <a:ext uri="{FF2B5EF4-FFF2-40B4-BE49-F238E27FC236}">
-                <a16:creationId xmlns:a16="http://schemas.microsoft.com/office/drawing/2014/main" id="{DF8113F4-D155-E294-7CF4-76A700004D96}"/>
+                <a16:creationId xmlns:a16="http://schemas.microsoft.com/office/drawing/2014/main" id="{8B27F2CA-BA32-1EE6-331A-63B30A51199E}"/>
               </a:ext>
             </a:extLst>
           </p:cNvPr>
@@ -2100,7 +2100,7 @@
           <p:cNvPr id="4" name="灯片编号占位符 3">
             <a:extLst>
               <a:ext uri="{FF2B5EF4-FFF2-40B4-BE49-F238E27FC236}">
-                <a16:creationId xmlns:a16="http://schemas.microsoft.com/office/drawing/2014/main" id="{352673B3-38C0-F12D-1DE4-CE22DA7750E9}"/>
+                <a16:creationId xmlns:a16="http://schemas.microsoft.com/office/drawing/2014/main" id="{103342D7-611B-88F9-DECF-CED2C86D5894}"/>
               </a:ext>
             </a:extLst>
           </p:cNvPr>
@@ -2116,7 +2116,7 @@
           <a:bodyPr/>
           <a:lstStyle/>
           <a:p>
-            <a:fld id="{37983ADF-7023-4B57-B997-78FE9957C8BC}" type="slidenum">
+            <a:fld id="{4CBE6403-663D-4AC9-A55B-116D4D9A8F90}" type="slidenum">
               <a:rPr lang="zh-CN" altLang="en-US" smtClean="0"/>
               <a:t>‹#›</a:t>
             </a:fld>
@@ -2127,7 +2127,7 @@
     </p:spTree>
     <p:extLst>
       <p:ext uri="{BB962C8B-B14F-4D97-AF65-F5344CB8AC3E}">
-        <p14:creationId xmlns:p14="http://schemas.microsoft.com/office/powerpoint/2010/main" val="2800313686"/>
+        <p14:creationId xmlns:p14="http://schemas.microsoft.com/office/powerpoint/2010/main" val="1845051811"/>
       </p:ext>
     </p:extLst>
   </p:cSld>
@@ -2159,7 +2159,7 @@
           <p:cNvPr id="2" name="标题 1">
             <a:extLst>
               <a:ext uri="{FF2B5EF4-FFF2-40B4-BE49-F238E27FC236}">
-                <a16:creationId xmlns:a16="http://schemas.microsoft.com/office/drawing/2014/main" id="{B4FEF4AF-AD12-6A1B-D1FD-B25C3969EE21}"/>
+                <a16:creationId xmlns:a16="http://schemas.microsoft.com/office/drawing/2014/main" id="{0EDEF0C4-3BDB-6168-8A37-22F8C932512B}"/>
               </a:ext>
             </a:extLst>
           </p:cNvPr>
@@ -2196,7 +2196,7 @@
           <p:cNvPr id="3" name="内容占位符 2">
             <a:extLst>
               <a:ext uri="{FF2B5EF4-FFF2-40B4-BE49-F238E27FC236}">
-                <a16:creationId xmlns:a16="http://schemas.microsoft.com/office/drawing/2014/main" id="{FFFDDF8F-344C-AE84-EC65-B338005C3FAD}"/>
+                <a16:creationId xmlns:a16="http://schemas.microsoft.com/office/drawing/2014/main" id="{91E4218A-EEF0-69A9-C4BC-A74AC4E52F2C}"/>
               </a:ext>
             </a:extLst>
           </p:cNvPr>
@@ -2286,7 +2286,7 @@
           <p:cNvPr id="4" name="文本占位符 3">
             <a:extLst>
               <a:ext uri="{FF2B5EF4-FFF2-40B4-BE49-F238E27FC236}">
-                <a16:creationId xmlns:a16="http://schemas.microsoft.com/office/drawing/2014/main" id="{5729D25B-E862-887D-8A7E-8A6508144968}"/>
+                <a16:creationId xmlns:a16="http://schemas.microsoft.com/office/drawing/2014/main" id="{46430177-D584-4101-EBFF-B0792167EED0}"/>
               </a:ext>
             </a:extLst>
           </p:cNvPr>
@@ -2357,7 +2357,7 @@
           <p:cNvPr id="5" name="日期占位符 4">
             <a:extLst>
               <a:ext uri="{FF2B5EF4-FFF2-40B4-BE49-F238E27FC236}">
-                <a16:creationId xmlns:a16="http://schemas.microsoft.com/office/drawing/2014/main" id="{EDBEBBB3-B677-DC93-78EC-D087CCECE786}"/>
+                <a16:creationId xmlns:a16="http://schemas.microsoft.com/office/drawing/2014/main" id="{F89F2348-3459-3235-F371-0D8C5949A612}"/>
               </a:ext>
             </a:extLst>
           </p:cNvPr>
@@ -2373,7 +2373,7 @@
           <a:bodyPr/>
           <a:lstStyle/>
           <a:p>
-            <a:fld id="{40021DEE-8692-4B53-A410-65DDE3781CD6}" type="datetimeFigureOut">
+            <a:fld id="{BE62AB33-3D30-4F20-8878-576B5CDB3283}" type="datetimeFigureOut">
               <a:rPr lang="zh-CN" altLang="en-US" smtClean="0"/>
               <a:t>2024/3/10</a:t>
             </a:fld>
@@ -2386,7 +2386,7 @@
           <p:cNvPr id="6" name="页脚占位符 5">
             <a:extLst>
               <a:ext uri="{FF2B5EF4-FFF2-40B4-BE49-F238E27FC236}">
-                <a16:creationId xmlns:a16="http://schemas.microsoft.com/office/drawing/2014/main" id="{137569EC-E4D6-7C7C-3E79-59E30C66E4BB}"/>
+                <a16:creationId xmlns:a16="http://schemas.microsoft.com/office/drawing/2014/main" id="{66AC110B-7C5D-6774-2472-00526AB2FE61}"/>
               </a:ext>
             </a:extLst>
           </p:cNvPr>
@@ -2411,7 +2411,7 @@
           <p:cNvPr id="7" name="灯片编号占位符 6">
             <a:extLst>
               <a:ext uri="{FF2B5EF4-FFF2-40B4-BE49-F238E27FC236}">
-                <a16:creationId xmlns:a16="http://schemas.microsoft.com/office/drawing/2014/main" id="{F06C220D-C016-9F2E-3EE3-42BFECD3992A}"/>
+                <a16:creationId xmlns:a16="http://schemas.microsoft.com/office/drawing/2014/main" id="{2DCF4589-E43D-D7D9-81B1-2BB7BE19BDFC}"/>
               </a:ext>
             </a:extLst>
           </p:cNvPr>
@@ -2427,7 +2427,7 @@
           <a:bodyPr/>
           <a:lstStyle/>
           <a:p>
-            <a:fld id="{37983ADF-7023-4B57-B997-78FE9957C8BC}" type="slidenum">
+            <a:fld id="{4CBE6403-663D-4AC9-A55B-116D4D9A8F90}" type="slidenum">
               <a:rPr lang="zh-CN" altLang="en-US" smtClean="0"/>
               <a:t>‹#›</a:t>
             </a:fld>
@@ -2438,7 +2438,7 @@
     </p:spTree>
     <p:extLst>
       <p:ext uri="{BB962C8B-B14F-4D97-AF65-F5344CB8AC3E}">
-        <p14:creationId xmlns:p14="http://schemas.microsoft.com/office/powerpoint/2010/main" val="3367048605"/>
+        <p14:creationId xmlns:p14="http://schemas.microsoft.com/office/powerpoint/2010/main" val="2210813233"/>
       </p:ext>
     </p:extLst>
   </p:cSld>
@@ -2470,7 +2470,7 @@
           <p:cNvPr id="2" name="标题 1">
             <a:extLst>
               <a:ext uri="{FF2B5EF4-FFF2-40B4-BE49-F238E27FC236}">
-                <a16:creationId xmlns:a16="http://schemas.microsoft.com/office/drawing/2014/main" id="{BF092503-7969-0036-4212-DFB6681148A2}"/>
+                <a16:creationId xmlns:a16="http://schemas.microsoft.com/office/drawing/2014/main" id="{306F7A90-B296-6D44-2D08-BCDAB56348FE}"/>
               </a:ext>
             </a:extLst>
           </p:cNvPr>
@@ -2507,7 +2507,7 @@
           <p:cNvPr id="3" name="图片占位符 2">
             <a:extLst>
               <a:ext uri="{FF2B5EF4-FFF2-40B4-BE49-F238E27FC236}">
-                <a16:creationId xmlns:a16="http://schemas.microsoft.com/office/drawing/2014/main" id="{6A39FAA4-6D09-5029-C934-F505D73516F8}"/>
+                <a16:creationId xmlns:a16="http://schemas.microsoft.com/office/drawing/2014/main" id="{44E54545-3AEF-6DD1-4404-0BB5202167A5}"/>
               </a:ext>
             </a:extLst>
           </p:cNvPr>
@@ -2574,7 +2574,7 @@
           <p:cNvPr id="4" name="文本占位符 3">
             <a:extLst>
               <a:ext uri="{FF2B5EF4-FFF2-40B4-BE49-F238E27FC236}">
-                <a16:creationId xmlns:a16="http://schemas.microsoft.com/office/drawing/2014/main" id="{B2D416FB-2E21-0537-B827-1189A384A838}"/>
+                <a16:creationId xmlns:a16="http://schemas.microsoft.com/office/drawing/2014/main" id="{5DD584C3-8181-BD5A-1B2F-330CD342E8D6}"/>
               </a:ext>
             </a:extLst>
           </p:cNvPr>
@@ -2645,7 +2645,7 @@
           <p:cNvPr id="5" name="日期占位符 4">
             <a:extLst>
               <a:ext uri="{FF2B5EF4-FFF2-40B4-BE49-F238E27FC236}">
-                <a16:creationId xmlns:a16="http://schemas.microsoft.com/office/drawing/2014/main" id="{19BE7B3D-E41B-A065-4797-76EBA26126E9}"/>
+                <a16:creationId xmlns:a16="http://schemas.microsoft.com/office/drawing/2014/main" id="{767454C6-A1B2-CBF9-CDF2-780245B54D1B}"/>
               </a:ext>
             </a:extLst>
           </p:cNvPr>
@@ -2661,7 +2661,7 @@
           <a:bodyPr/>
           <a:lstStyle/>
           <a:p>
-            <a:fld id="{40021DEE-8692-4B53-A410-65DDE3781CD6}" type="datetimeFigureOut">
+            <a:fld id="{BE62AB33-3D30-4F20-8878-576B5CDB3283}" type="datetimeFigureOut">
               <a:rPr lang="zh-CN" altLang="en-US" smtClean="0"/>
               <a:t>2024/3/10</a:t>
             </a:fld>
@@ -2674,7 +2674,7 @@
           <p:cNvPr id="6" name="页脚占位符 5">
             <a:extLst>
               <a:ext uri="{FF2B5EF4-FFF2-40B4-BE49-F238E27FC236}">
-                <a16:creationId xmlns:a16="http://schemas.microsoft.com/office/drawing/2014/main" id="{FA6EC8D1-431A-3F79-77F4-E64A0B844A47}"/>
+                <a16:creationId xmlns:a16="http://schemas.microsoft.com/office/drawing/2014/main" id="{9D86A982-A541-BA70-2742-58ACBB8146AB}"/>
               </a:ext>
             </a:extLst>
           </p:cNvPr>
@@ -2699,7 +2699,7 @@
           <p:cNvPr id="7" name="灯片编号占位符 6">
             <a:extLst>
               <a:ext uri="{FF2B5EF4-FFF2-40B4-BE49-F238E27FC236}">
-                <a16:creationId xmlns:a16="http://schemas.microsoft.com/office/drawing/2014/main" id="{397F774E-5F43-FD35-BD1C-DB0935A281B5}"/>
+                <a16:creationId xmlns:a16="http://schemas.microsoft.com/office/drawing/2014/main" id="{463576F5-55CC-8E82-2843-508FFAF05EE6}"/>
               </a:ext>
             </a:extLst>
           </p:cNvPr>
@@ -2715,7 +2715,7 @@
           <a:bodyPr/>
           <a:lstStyle/>
           <a:p>
-            <a:fld id="{37983ADF-7023-4B57-B997-78FE9957C8BC}" type="slidenum">
+            <a:fld id="{4CBE6403-663D-4AC9-A55B-116D4D9A8F90}" type="slidenum">
               <a:rPr lang="zh-CN" altLang="en-US" smtClean="0"/>
               <a:t>‹#›</a:t>
             </a:fld>
@@ -2726,7 +2726,7 @@
     </p:spTree>
     <p:extLst>
       <p:ext uri="{BB962C8B-B14F-4D97-AF65-F5344CB8AC3E}">
-        <p14:creationId xmlns:p14="http://schemas.microsoft.com/office/powerpoint/2010/main" val="336225657"/>
+        <p14:creationId xmlns:p14="http://schemas.microsoft.com/office/powerpoint/2010/main" val="3029419722"/>
       </p:ext>
     </p:extLst>
   </p:cSld>
@@ -2763,7 +2763,7 @@
           <p:cNvPr id="2" name="标题占位符 1">
             <a:extLst>
               <a:ext uri="{FF2B5EF4-FFF2-40B4-BE49-F238E27FC236}">
-                <a16:creationId xmlns:a16="http://schemas.microsoft.com/office/drawing/2014/main" id="{AD8C748B-4CCD-7990-B30B-6DFE9E210780}"/>
+                <a16:creationId xmlns:a16="http://schemas.microsoft.com/office/drawing/2014/main" id="{37CCA4F7-469E-8993-9428-3CD36C06EBAD}"/>
               </a:ext>
             </a:extLst>
           </p:cNvPr>
@@ -2801,7 +2801,7 @@
           <p:cNvPr id="3" name="文本占位符 2">
             <a:extLst>
               <a:ext uri="{FF2B5EF4-FFF2-40B4-BE49-F238E27FC236}">
-                <a16:creationId xmlns:a16="http://schemas.microsoft.com/office/drawing/2014/main" id="{203106A0-06E2-52B0-7E10-F36900E81154}"/>
+                <a16:creationId xmlns:a16="http://schemas.microsoft.com/office/drawing/2014/main" id="{E6E9DCCF-1697-561A-7E03-B54E3B43A565}"/>
               </a:ext>
             </a:extLst>
           </p:cNvPr>
@@ -2868,7 +2868,7 @@
           <p:cNvPr id="4" name="日期占位符 3">
             <a:extLst>
               <a:ext uri="{FF2B5EF4-FFF2-40B4-BE49-F238E27FC236}">
-                <a16:creationId xmlns:a16="http://schemas.microsoft.com/office/drawing/2014/main" id="{8B0B0986-3144-0E5C-8635-5148E70F3E1E}"/>
+                <a16:creationId xmlns:a16="http://schemas.microsoft.com/office/drawing/2014/main" id="{B94AE294-3BDE-07B8-A8A2-DD128F38820B}"/>
               </a:ext>
             </a:extLst>
           </p:cNvPr>
@@ -2902,7 +2902,7 @@
             </a:lvl1pPr>
           </a:lstStyle>
           <a:p>
-            <a:fld id="{40021DEE-8692-4B53-A410-65DDE3781CD6}" type="datetimeFigureOut">
+            <a:fld id="{BE62AB33-3D30-4F20-8878-576B5CDB3283}" type="datetimeFigureOut">
               <a:rPr lang="zh-CN" altLang="en-US" smtClean="0"/>
               <a:t>2024/3/10</a:t>
             </a:fld>
@@ -2915,7 +2915,7 @@
           <p:cNvPr id="5" name="页脚占位符 4">
             <a:extLst>
               <a:ext uri="{FF2B5EF4-FFF2-40B4-BE49-F238E27FC236}">
-                <a16:creationId xmlns:a16="http://schemas.microsoft.com/office/drawing/2014/main" id="{9D241009-C05F-FEB8-4A62-04F1D1430937}"/>
+                <a16:creationId xmlns:a16="http://schemas.microsoft.com/office/drawing/2014/main" id="{A2CB211C-1E5D-6042-9F24-E56F61356C91}"/>
               </a:ext>
             </a:extLst>
           </p:cNvPr>
@@ -2958,7 +2958,7 @@
           <p:cNvPr id="6" name="灯片编号占位符 5">
             <a:extLst>
               <a:ext uri="{FF2B5EF4-FFF2-40B4-BE49-F238E27FC236}">
-                <a16:creationId xmlns:a16="http://schemas.microsoft.com/office/drawing/2014/main" id="{DC45299C-AE94-E604-74DF-2F8BF4673151}"/>
+                <a16:creationId xmlns:a16="http://schemas.microsoft.com/office/drawing/2014/main" id="{47F4F486-853E-0D6F-D2A2-B484E26E902B}"/>
               </a:ext>
             </a:extLst>
           </p:cNvPr>
@@ -2992,7 +2992,7 @@
             </a:lvl1pPr>
           </a:lstStyle>
           <a:p>
-            <a:fld id="{37983ADF-7023-4B57-B997-78FE9957C8BC}" type="slidenum">
+            <a:fld id="{4CBE6403-663D-4AC9-A55B-116D4D9A8F90}" type="slidenum">
               <a:rPr lang="zh-CN" altLang="en-US" smtClean="0"/>
               <a:t>‹#›</a:t>
             </a:fld>
@@ -3003,7 +3003,7 @@
     </p:spTree>
     <p:extLst>
       <p:ext uri="{BB962C8B-B14F-4D97-AF65-F5344CB8AC3E}">
-        <p14:creationId xmlns:p14="http://schemas.microsoft.com/office/powerpoint/2010/main" val="1293041105"/>
+        <p14:creationId xmlns:p14="http://schemas.microsoft.com/office/powerpoint/2010/main" val="4283061700"/>
       </p:ext>
     </p:extLst>
   </p:cSld>
@@ -3323,7 +3323,7 @@
       </p:grpSpPr>
       <p:pic>
         <p:nvPicPr>
-          <p:cNvPr id="177154" name="Picture 2" descr="172"/>
+          <p:cNvPr id="178178" name="Picture 2" descr="173"/>
           <p:cNvPicPr>
             <a:picLocks noChangeAspect="1" noChangeArrowheads="1"/>
           </p:cNvPicPr>
@@ -3344,8 +3344,8 @@
         </p:blipFill>
         <p:spPr bwMode="auto">
           <a:xfrm>
-            <a:off x="1524000" y="1"/>
-            <a:ext cx="9144000" cy="6861175"/>
+            <a:off x="1524000" y="0"/>
+            <a:ext cx="9144000" cy="6858000"/>
           </a:xfrm>
           <a:prstGeom prst="rect">
             <a:avLst/>
@@ -3375,158 +3375,11 @@
           </a:extLst>
         </p:spPr>
       </p:pic>
-      <p:pic>
-        <p:nvPicPr>
-          <p:cNvPr id="178179" name="Picture 3" descr="172-2"/>
-          <p:cNvPicPr>
-            <a:picLocks noChangeAspect="1" noChangeArrowheads="1"/>
-          </p:cNvPicPr>
-          <p:nvPr/>
-        </p:nvPicPr>
-        <p:blipFill>
-          <a:blip r:embed="rId3">
-            <a:extLst>
-              <a:ext uri="{28A0092B-C50C-407E-A947-70E740481C1C}">
-                <a14:useLocalDpi xmlns:a14="http://schemas.microsoft.com/office/drawing/2010/main" val="0"/>
-              </a:ext>
-            </a:extLst>
-          </a:blip>
-          <a:srcRect/>
-          <a:stretch>
-            <a:fillRect/>
-          </a:stretch>
-        </p:blipFill>
-        <p:spPr bwMode="auto">
-          <a:xfrm>
-            <a:off x="1524000" y="0"/>
-            <a:ext cx="9144000" cy="6858000"/>
-          </a:xfrm>
-          <a:prstGeom prst="rect">
-            <a:avLst/>
-          </a:prstGeom>
-          <a:noFill/>
-          <a:ln>
-            <a:noFill/>
-          </a:ln>
-          <a:effectLst/>
-          <a:extLst>
-            <a:ext uri="{909E8E84-426E-40DD-AFC4-6F175D3DCCD1}">
-              <a14:hiddenFill xmlns:a14="http://schemas.microsoft.com/office/drawing/2010/main">
-                <a:solidFill>
-                  <a:srgbClr val="FFFFFF"/>
-                </a:solidFill>
-              </a14:hiddenFill>
-            </a:ext>
-            <a:ext uri="{91240B29-F687-4F45-9708-019B960494DF}">
-              <a14:hiddenLine xmlns:a14="http://schemas.microsoft.com/office/drawing/2010/main" w="9525">
-                <a:solidFill>
-                  <a:srgbClr val="000000"/>
-                </a:solidFill>
-                <a:miter lim="800000"/>
-                <a:headEnd/>
-                <a:tailEnd/>
-              </a14:hiddenLine>
-            </a:ext>
-            <a:ext uri="{AF507438-7753-43E0-B8FC-AC1667EBCBE1}">
-              <a14:hiddenEffects xmlns:a14="http://schemas.microsoft.com/office/drawing/2010/main">
-                <a:effectLst>
-                  <a:outerShdw dist="35921" dir="2700000" algn="ctr" rotWithShape="0">
-                    <a:srgbClr val="808080"/>
-                  </a:outerShdw>
-                </a:effectLst>
-              </a14:hiddenEffects>
-            </a:ext>
-          </a:extLst>
-        </p:spPr>
-      </p:pic>
     </p:spTree>
   </p:cSld>
   <p:clrMapOvr>
     <a:masterClrMapping/>
   </p:clrMapOvr>
-  <p:timing>
-    <p:tnLst>
-      <p:par>
-        <p:cTn id="1" dur="indefinite" restart="never" nodeType="tmRoot">
-          <p:childTnLst>
-            <p:seq concurrent="1" nextAc="seek">
-              <p:cTn id="2" dur="indefinite" nodeType="mainSeq">
-                <p:childTnLst>
-                  <p:par>
-                    <p:cTn id="3" fill="hold" nodeType="clickPar">
-                      <p:stCondLst>
-                        <p:cond delay="indefinite"/>
-                      </p:stCondLst>
-                      <p:childTnLst>
-                        <p:par>
-                          <p:cTn id="4" fill="hold" nodeType="withGroup">
-                            <p:stCondLst>
-                              <p:cond delay="0"/>
-                            </p:stCondLst>
-                            <p:childTnLst>
-                              <p:par>
-                                <p:cTn id="5" presetID="10" presetClass="entr" presetSubtype="0" fill="hold" nodeType="clickEffect">
-                                  <p:stCondLst>
-                                    <p:cond delay="0"/>
-                                  </p:stCondLst>
-                                  <p:childTnLst>
-                                    <p:set>
-                                      <p:cBhvr>
-                                        <p:cTn id="6" dur="1" fill="hold">
-                                          <p:stCondLst>
-                                            <p:cond delay="0"/>
-                                          </p:stCondLst>
-                                        </p:cTn>
-                                        <p:tgtEl>
-                                          <p:spTgt spid="178179"/>
-                                        </p:tgtEl>
-                                        <p:attrNameLst>
-                                          <p:attrName>style.visibility</p:attrName>
-                                        </p:attrNameLst>
-                                      </p:cBhvr>
-                                      <p:to>
-                                        <p:strVal val="visible"/>
-                                      </p:to>
-                                    </p:set>
-                                    <p:animEffect transition="in" filter="fade">
-                                      <p:cBhvr>
-                                        <p:cTn id="7" dur="500"/>
-                                        <p:tgtEl>
-                                          <p:spTgt spid="178179"/>
-                                        </p:tgtEl>
-                                      </p:cBhvr>
-                                    </p:animEffect>
-                                  </p:childTnLst>
-                                </p:cTn>
-                              </p:par>
-                            </p:childTnLst>
-                          </p:cTn>
-                        </p:par>
-                      </p:childTnLst>
-                    </p:cTn>
-                  </p:par>
-                </p:childTnLst>
-              </p:cTn>
-              <p:prevCondLst>
-                <p:cond evt="onPrev" delay="0">
-                  <p:tgtEl>
-                    <p:sldTgt/>
-                  </p:tgtEl>
-                </p:cond>
-              </p:prevCondLst>
-              <p:nextCondLst>
-                <p:cond evt="onNext" delay="0">
-                  <p:tgtEl>
-                    <p:sldTgt/>
-                  </p:tgtEl>
-                </p:cond>
-              </p:nextCondLst>
-            </p:seq>
-          </p:childTnLst>
-        </p:cTn>
-      </p:par>
-    </p:tnLst>
-  </p:timing>
 </p:sld>
 </file>
 
